--- a/clase5-6.pptx
+++ b/clase5-6.pptx
@@ -5,24 +5,25 @@
     <p:sldMasterId id="2147483660" r:id="rId1"/>
   </p:sldMasterIdLst>
   <p:notesMasterIdLst>
-    <p:notesMasterId r:id="rId17"/>
+    <p:notesMasterId r:id="rId18"/>
   </p:notesMasterIdLst>
   <p:sldIdLst>
     <p:sldId id="265" r:id="rId2"/>
     <p:sldId id="270" r:id="rId3"/>
     <p:sldId id="257" r:id="rId4"/>
-    <p:sldId id="258" r:id="rId5"/>
-    <p:sldId id="262" r:id="rId6"/>
-    <p:sldId id="271" r:id="rId7"/>
-    <p:sldId id="261" r:id="rId8"/>
-    <p:sldId id="264" r:id="rId9"/>
-    <p:sldId id="267" r:id="rId10"/>
-    <p:sldId id="272" r:id="rId11"/>
-    <p:sldId id="266" r:id="rId12"/>
-    <p:sldId id="268" r:id="rId13"/>
-    <p:sldId id="273" r:id="rId14"/>
-    <p:sldId id="275" r:id="rId15"/>
-    <p:sldId id="274" r:id="rId16"/>
+    <p:sldId id="276" r:id="rId5"/>
+    <p:sldId id="258" r:id="rId6"/>
+    <p:sldId id="262" r:id="rId7"/>
+    <p:sldId id="271" r:id="rId8"/>
+    <p:sldId id="261" r:id="rId9"/>
+    <p:sldId id="264" r:id="rId10"/>
+    <p:sldId id="267" r:id="rId11"/>
+    <p:sldId id="272" r:id="rId12"/>
+    <p:sldId id="266" r:id="rId13"/>
+    <p:sldId id="268" r:id="rId14"/>
+    <p:sldId id="273" r:id="rId15"/>
+    <p:sldId id="275" r:id="rId16"/>
+    <p:sldId id="274" r:id="rId17"/>
   </p:sldIdLst>
   <p:sldSz cx="9144000" cy="6858000" type="screen4x3"/>
   <p:notesSz cx="6858000" cy="9144000"/>
@@ -750,7 +751,7 @@
           <a:p>
             <a:fld id="{96116DA1-4BA6-4EA9-B9D0-973575DF516B}" type="slidenum">
               <a:rPr lang="es-ES" smtClean="0"/>
-              <a:t>4</a:t>
+              <a:t>5</a:t>
             </a:fld>
             <a:endParaRPr lang="es-ES"/>
           </a:p>
@@ -834,7 +835,7 @@
           <a:p>
             <a:fld id="{85E240D6-9AA4-4EBC-8D27-C71B9B3C8D84}" type="slidenum">
               <a:rPr lang="es-ES" smtClean="0"/>
-              <a:t>5</a:t>
+              <a:t>6</a:t>
             </a:fld>
             <a:endParaRPr lang="es-ES"/>
           </a:p>
@@ -928,7 +929,7 @@
           <a:p>
             <a:fld id="{85E240D6-9AA4-4EBC-8D27-C71B9B3C8D84}" type="slidenum">
               <a:rPr lang="es-ES" smtClean="0"/>
-              <a:t>10</a:t>
+              <a:t>11</a:t>
             </a:fld>
             <a:endParaRPr lang="es-ES"/>
           </a:p>
@@ -1066,7 +1067,7 @@
           <a:p>
             <a:fld id="{A1837820-E687-4A88-8D14-A96B33404BC6}" type="slidenum">
               <a:rPr lang="es-ES" smtClean="0"/>
-              <a:t>11</a:t>
+              <a:t>12</a:t>
             </a:fld>
             <a:endParaRPr lang="es-ES"/>
           </a:p>
@@ -1076,6 +1077,209 @@
     <p:extLst>
       <p:ext uri="{BB962C8B-B14F-4D97-AF65-F5344CB8AC3E}">
         <p14:creationId xmlns:p14="http://schemas.microsoft.com/office/powerpoint/2010/main" val="2607773179"/>
+      </p:ext>
+    </p:extLst>
+  </p:cSld>
+  <p:clrMapOvr>
+    <a:masterClrMapping/>
+  </p:clrMapOvr>
+</p:notes>
+</file>
+
+<file path=ppt/notesSlides/notesSlide6.xml><?xml version="1.0" encoding="utf-8"?>
+<p:notes xmlns:a="http://schemas.openxmlformats.org/drawingml/2006/main" xmlns:r="http://schemas.openxmlformats.org/officeDocument/2006/relationships" xmlns:p="http://schemas.openxmlformats.org/presentationml/2006/main">
+  <p:cSld>
+    <p:spTree>
+      <p:nvGrpSpPr>
+        <p:cNvPr id="1" name=""/>
+        <p:cNvGrpSpPr/>
+        <p:nvPr/>
+      </p:nvGrpSpPr>
+      <p:grpSpPr>
+        <a:xfrm>
+          <a:off x="0" y="0"/>
+          <a:ext cx="0" cy="0"/>
+          <a:chOff x="0" y="0"/>
+          <a:chExt cx="0" cy="0"/>
+        </a:xfrm>
+      </p:grpSpPr>
+      <p:sp>
+        <p:nvSpPr>
+          <p:cNvPr id="2" name="1 Marcador de imagen de diapositiva"/>
+          <p:cNvSpPr>
+            <a:spLocks noGrp="1" noRot="1" noChangeAspect="1"/>
+          </p:cNvSpPr>
+          <p:nvPr>
+            <p:ph type="sldImg"/>
+          </p:nvPr>
+        </p:nvSpPr>
+        <p:spPr/>
+      </p:sp>
+      <p:sp>
+        <p:nvSpPr>
+          <p:cNvPr id="3" name="2 Marcador de notas"/>
+          <p:cNvSpPr>
+            <a:spLocks noGrp="1"/>
+          </p:cNvSpPr>
+          <p:nvPr>
+            <p:ph type="body" idx="1"/>
+          </p:nvPr>
+        </p:nvSpPr>
+        <p:spPr/>
+        <p:txBody>
+          <a:bodyPr/>
+          <a:lstStyle/>
+          <a:p>
+            <a:r>
+              <a:rPr lang="es-ES" dirty="0" err="1" smtClean="0"/>
+              <a:t>Ref</a:t>
+            </a:r>
+            <a:r>
+              <a:rPr lang="es-ES" dirty="0" smtClean="0"/>
+              <a:t>: https://github.com/DesafioLatam/guia-de-ejercicios-javascript/blob/master/ejercicios.md</a:t>
+            </a:r>
+            <a:endParaRPr lang="es-ES" dirty="0"/>
+          </a:p>
+        </p:txBody>
+      </p:sp>
+      <p:sp>
+        <p:nvSpPr>
+          <p:cNvPr id="4" name="3 Marcador de número de diapositiva"/>
+          <p:cNvSpPr>
+            <a:spLocks noGrp="1"/>
+          </p:cNvSpPr>
+          <p:nvPr>
+            <p:ph type="sldNum" sz="quarter" idx="10"/>
+          </p:nvPr>
+        </p:nvSpPr>
+        <p:spPr/>
+        <p:txBody>
+          <a:bodyPr/>
+          <a:lstStyle/>
+          <a:p>
+            <a:fld id="{85E240D6-9AA4-4EBC-8D27-C71B9B3C8D84}" type="slidenum">
+              <a:rPr lang="es-ES" smtClean="0"/>
+              <a:t>14</a:t>
+            </a:fld>
+            <a:endParaRPr lang="es-ES"/>
+          </a:p>
+        </p:txBody>
+      </p:sp>
+    </p:spTree>
+    <p:extLst>
+      <p:ext uri="{BB962C8B-B14F-4D97-AF65-F5344CB8AC3E}">
+        <p14:creationId xmlns:p14="http://schemas.microsoft.com/office/powerpoint/2010/main" val="3387520361"/>
+      </p:ext>
+    </p:extLst>
+  </p:cSld>
+  <p:clrMapOvr>
+    <a:masterClrMapping/>
+  </p:clrMapOvr>
+</p:notes>
+</file>
+
+<file path=ppt/notesSlides/notesSlide7.xml><?xml version="1.0" encoding="utf-8"?>
+<p:notes xmlns:a="http://schemas.openxmlformats.org/drawingml/2006/main" xmlns:r="http://schemas.openxmlformats.org/officeDocument/2006/relationships" xmlns:p="http://schemas.openxmlformats.org/presentationml/2006/main">
+  <p:cSld>
+    <p:spTree>
+      <p:nvGrpSpPr>
+        <p:cNvPr id="1" name=""/>
+        <p:cNvGrpSpPr/>
+        <p:nvPr/>
+      </p:nvGrpSpPr>
+      <p:grpSpPr>
+        <a:xfrm>
+          <a:off x="0" y="0"/>
+          <a:ext cx="0" cy="0"/>
+          <a:chOff x="0" y="0"/>
+          <a:chExt cx="0" cy="0"/>
+        </a:xfrm>
+      </p:grpSpPr>
+      <p:sp>
+        <p:nvSpPr>
+          <p:cNvPr id="2" name="1 Marcador de imagen de diapositiva"/>
+          <p:cNvSpPr>
+            <a:spLocks noGrp="1" noRot="1" noChangeAspect="1"/>
+          </p:cNvSpPr>
+          <p:nvPr>
+            <p:ph type="sldImg"/>
+          </p:nvPr>
+        </p:nvSpPr>
+        <p:spPr/>
+      </p:sp>
+      <p:sp>
+        <p:nvSpPr>
+          <p:cNvPr id="3" name="2 Marcador de notas"/>
+          <p:cNvSpPr>
+            <a:spLocks noGrp="1"/>
+          </p:cNvSpPr>
+          <p:nvPr>
+            <p:ph type="body" idx="1"/>
+          </p:nvPr>
+        </p:nvSpPr>
+        <p:spPr/>
+        <p:txBody>
+          <a:bodyPr/>
+          <a:lstStyle/>
+          <a:p>
+            <a:pPr marL="0" marR="0" indent="0" algn="l" defTabSz="914400" rtl="0" eaLnBrk="1" fontAlgn="auto" latinLnBrk="0" hangingPunct="1">
+              <a:lnSpc>
+                <a:spcPct val="100000"/>
+              </a:lnSpc>
+              <a:spcBef>
+                <a:spcPts val="0"/>
+              </a:spcBef>
+              <a:spcAft>
+                <a:spcPts val="0"/>
+              </a:spcAft>
+              <a:buClrTx/>
+              <a:buSzTx/>
+              <a:buFontTx/>
+              <a:buNone/>
+              <a:tabLst/>
+              <a:defRPr/>
+            </a:pPr>
+            <a:r>
+              <a:rPr lang="es-ES" dirty="0" err="1" smtClean="0"/>
+              <a:t>Ref</a:t>
+            </a:r>
+            <a:r>
+              <a:rPr lang="es-ES" dirty="0" smtClean="0"/>
+              <a:t>: https://github.com/DesafioLatam/guia-de-ejercicios-javascript/blob/master/ejercicios.md</a:t>
+            </a:r>
+          </a:p>
+          <a:p>
+            <a:endParaRPr lang="es-ES" dirty="0"/>
+          </a:p>
+        </p:txBody>
+      </p:sp>
+      <p:sp>
+        <p:nvSpPr>
+          <p:cNvPr id="4" name="3 Marcador de número de diapositiva"/>
+          <p:cNvSpPr>
+            <a:spLocks noGrp="1"/>
+          </p:cNvSpPr>
+          <p:nvPr>
+            <p:ph type="sldNum" sz="quarter" idx="10"/>
+          </p:nvPr>
+        </p:nvSpPr>
+        <p:spPr/>
+        <p:txBody>
+          <a:bodyPr/>
+          <a:lstStyle/>
+          <a:p>
+            <a:fld id="{85E240D6-9AA4-4EBC-8D27-C71B9B3C8D84}" type="slidenum">
+              <a:rPr lang="es-ES" smtClean="0"/>
+              <a:t>15</a:t>
+            </a:fld>
+            <a:endParaRPr lang="es-ES"/>
+          </a:p>
+        </p:txBody>
+      </p:sp>
+    </p:spTree>
+    <p:extLst>
+      <p:ext uri="{BB962C8B-B14F-4D97-AF65-F5344CB8AC3E}">
+        <p14:creationId xmlns:p14="http://schemas.microsoft.com/office/powerpoint/2010/main" val="723192228"/>
       </p:ext>
     </p:extLst>
   </p:cSld>
@@ -14965,6 +15169,106 @@
           <a:p>
             <a:r>
               <a:rPr lang="es-ES" dirty="0" smtClean="0"/>
+              <a:t>Otros </a:t>
+            </a:r>
+            <a:r>
+              <a:rPr lang="es-ES" dirty="0" err="1" smtClean="0"/>
+              <a:t>Metodos</a:t>
+            </a:r>
+            <a:r>
+              <a:rPr lang="es-ES" dirty="0" smtClean="0"/>
+              <a:t> </a:t>
+            </a:r>
+            <a:r>
+              <a:rPr lang="es-ES" dirty="0" err="1" smtClean="0"/>
+              <a:t>Strings</a:t>
+            </a:r>
+            <a:endParaRPr lang="es-ES" dirty="0"/>
+          </a:p>
+        </p:txBody>
+      </p:sp>
+      <p:sp>
+        <p:nvSpPr>
+          <p:cNvPr id="5" name="4 Marcador de contenido"/>
+          <p:cNvSpPr>
+            <a:spLocks noGrp="1"/>
+          </p:cNvSpPr>
+          <p:nvPr>
+            <p:ph idx="1"/>
+          </p:nvPr>
+        </p:nvSpPr>
+        <p:spPr/>
+        <p:txBody>
+          <a:bodyPr/>
+          <a:lstStyle/>
+          <a:p>
+            <a:r>
+              <a:rPr lang="es-ES" dirty="0"/>
+              <a:t>https://www.w3schools.com/js/js_strings.asp</a:t>
+            </a:r>
+          </a:p>
+          <a:p>
+            <a:endParaRPr lang="es-ES" dirty="0" smtClean="0"/>
+          </a:p>
+          <a:p>
+            <a:r>
+              <a:rPr lang="es-ES" dirty="0" smtClean="0"/>
+              <a:t>https</a:t>
+            </a:r>
+            <a:r>
+              <a:rPr lang="es-ES" dirty="0"/>
+              <a:t>://www.w3schools.com/js/js_string_methods.asp</a:t>
+            </a:r>
+          </a:p>
+        </p:txBody>
+      </p:sp>
+    </p:spTree>
+    <p:extLst>
+      <p:ext uri="{BB962C8B-B14F-4D97-AF65-F5344CB8AC3E}">
+        <p14:creationId xmlns:p14="http://schemas.microsoft.com/office/powerpoint/2010/main" val="3068325098"/>
+      </p:ext>
+    </p:extLst>
+  </p:cSld>
+  <p:clrMapOvr>
+    <a:masterClrMapping/>
+  </p:clrMapOvr>
+</p:sld>
+</file>
+
+<file path=ppt/slides/slide11.xml><?xml version="1.0" encoding="utf-8"?>
+<p:sld xmlns:a="http://schemas.openxmlformats.org/drawingml/2006/main" xmlns:r="http://schemas.openxmlformats.org/officeDocument/2006/relationships" xmlns:p="http://schemas.openxmlformats.org/presentationml/2006/main">
+  <p:cSld>
+    <p:spTree>
+      <p:nvGrpSpPr>
+        <p:cNvPr id="1" name=""/>
+        <p:cNvGrpSpPr/>
+        <p:nvPr/>
+      </p:nvGrpSpPr>
+      <p:grpSpPr>
+        <a:xfrm>
+          <a:off x="0" y="0"/>
+          <a:ext cx="0" cy="0"/>
+          <a:chOff x="0" y="0"/>
+          <a:chExt cx="0" cy="0"/>
+        </a:xfrm>
+      </p:grpSpPr>
+      <p:sp>
+        <p:nvSpPr>
+          <p:cNvPr id="2" name="1 Título"/>
+          <p:cNvSpPr>
+            <a:spLocks noGrp="1"/>
+          </p:cNvSpPr>
+          <p:nvPr>
+            <p:ph type="title"/>
+          </p:nvPr>
+        </p:nvSpPr>
+        <p:spPr/>
+        <p:txBody>
+          <a:bodyPr/>
+          <a:lstStyle/>
+          <a:p>
+            <a:r>
+              <a:rPr lang="es-ES" dirty="0" smtClean="0"/>
               <a:t>Ejercicios con cadenas</a:t>
             </a:r>
             <a:endParaRPr lang="es-ES" dirty="0"/>
@@ -15115,7 +15419,7 @@
 </p:sld>
 </file>
 
-<file path=ppt/slides/slide11.xml><?xml version="1.0" encoding="utf-8"?>
+<file path=ppt/slides/slide12.xml><?xml version="1.0" encoding="utf-8"?>
 <p:sld xmlns:a="http://schemas.openxmlformats.org/drawingml/2006/main" xmlns:r="http://schemas.openxmlformats.org/officeDocument/2006/relationships" xmlns:p="http://schemas.openxmlformats.org/presentationml/2006/main">
   <p:cSld>
     <p:spTree>
@@ -15512,129 +15816,6 @@
 </p:sld>
 </file>
 
-<file path=ppt/slides/slide12.xml><?xml version="1.0" encoding="utf-8"?>
-<p:sld xmlns:a="http://schemas.openxmlformats.org/drawingml/2006/main" xmlns:r="http://schemas.openxmlformats.org/officeDocument/2006/relationships" xmlns:p="http://schemas.openxmlformats.org/presentationml/2006/main">
-  <p:cSld>
-    <p:spTree>
-      <p:nvGrpSpPr>
-        <p:cNvPr id="1" name=""/>
-        <p:cNvGrpSpPr/>
-        <p:nvPr/>
-      </p:nvGrpSpPr>
-      <p:grpSpPr>
-        <a:xfrm>
-          <a:off x="0" y="0"/>
-          <a:ext cx="0" cy="0"/>
-          <a:chOff x="0" y="0"/>
-          <a:chExt cx="0" cy="0"/>
-        </a:xfrm>
-      </p:grpSpPr>
-      <p:sp>
-        <p:nvSpPr>
-          <p:cNvPr id="2" name="1 Título"/>
-          <p:cNvSpPr>
-            <a:spLocks noGrp="1"/>
-          </p:cNvSpPr>
-          <p:nvPr>
-            <p:ph type="title"/>
-          </p:nvPr>
-        </p:nvSpPr>
-        <p:spPr/>
-        <p:txBody>
-          <a:bodyPr/>
-          <a:lstStyle/>
-          <a:p>
-            <a:r>
-              <a:rPr lang="es-ES" dirty="0" smtClean="0"/>
-              <a:t>Otros </a:t>
-            </a:r>
-            <a:r>
-              <a:rPr lang="es-ES" dirty="0" err="1" smtClean="0"/>
-              <a:t>metodos</a:t>
-            </a:r>
-            <a:r>
-              <a:rPr lang="es-ES" dirty="0" smtClean="0"/>
-              <a:t> </a:t>
-            </a:r>
-            <a:r>
-              <a:rPr lang="es-ES" dirty="0" err="1" smtClean="0"/>
-              <a:t>Arrays</a:t>
-            </a:r>
-            <a:endParaRPr lang="es-ES" dirty="0"/>
-          </a:p>
-        </p:txBody>
-      </p:sp>
-      <p:sp>
-        <p:nvSpPr>
-          <p:cNvPr id="5" name="4 Marcador de contenido"/>
-          <p:cNvSpPr>
-            <a:spLocks noGrp="1"/>
-          </p:cNvSpPr>
-          <p:nvPr>
-            <p:ph idx="1"/>
-          </p:nvPr>
-        </p:nvSpPr>
-        <p:spPr/>
-        <p:txBody>
-          <a:bodyPr/>
-          <a:lstStyle/>
-          <a:p>
-            <a:r>
-              <a:rPr lang="es-ES" dirty="0">
-                <a:hlinkClick r:id="rId2"/>
-              </a:rPr>
-              <a:t>https://</a:t>
-            </a:r>
-            <a:r>
-              <a:rPr lang="es-ES" dirty="0" smtClean="0">
-                <a:hlinkClick r:id="rId2"/>
-              </a:rPr>
-              <a:t>www.w3schools.com/js/js_arrays.asp</a:t>
-            </a:r>
-            <a:endParaRPr lang="es-ES" dirty="0" smtClean="0"/>
-          </a:p>
-          <a:p>
-            <a:endParaRPr lang="es-ES" dirty="0"/>
-          </a:p>
-          <a:p>
-            <a:r>
-              <a:rPr lang="es-ES" dirty="0">
-                <a:hlinkClick r:id="rId3"/>
-              </a:rPr>
-              <a:t>https://</a:t>
-            </a:r>
-            <a:r>
-              <a:rPr lang="es-ES" dirty="0" smtClean="0">
-                <a:hlinkClick r:id="rId3"/>
-              </a:rPr>
-              <a:t>www.w3schools.com/js/js_array_methods.asp</a:t>
-            </a:r>
-            <a:endParaRPr lang="es-ES" dirty="0" smtClean="0"/>
-          </a:p>
-          <a:p>
-            <a:endParaRPr lang="es-ES" dirty="0"/>
-          </a:p>
-          <a:p>
-            <a:r>
-              <a:rPr lang="es-ES" dirty="0"/>
-              <a:t>https://www.w3schools.com/js/js_array_sort.asp</a:t>
-            </a:r>
-          </a:p>
-        </p:txBody>
-      </p:sp>
-    </p:spTree>
-    <p:extLst>
-      <p:ext uri="{BB962C8B-B14F-4D97-AF65-F5344CB8AC3E}">
-        <p14:creationId xmlns:p14="http://schemas.microsoft.com/office/powerpoint/2010/main" val="3095811660"/>
-      </p:ext>
-    </p:extLst>
-  </p:cSld>
-  <p:clrMapOvr>
-    <a:masterClrMapping/>
-  </p:clrMapOvr>
-</p:sld>
-</file>
-
 <file path=ppt/slides/slide13.xml><?xml version="1.0" encoding="utf-8"?>
 <p:sld xmlns:a="http://schemas.openxmlformats.org/drawingml/2006/main" xmlns:r="http://schemas.openxmlformats.org/officeDocument/2006/relationships" xmlns:p="http://schemas.openxmlformats.org/presentationml/2006/main">
   <p:cSld>
@@ -15669,7 +15850,19 @@
           <a:p>
             <a:r>
               <a:rPr lang="es-ES" dirty="0" smtClean="0"/>
-              <a:t>Ejercicios</a:t>
+              <a:t>Otros </a:t>
+            </a:r>
+            <a:r>
+              <a:rPr lang="es-ES" dirty="0" err="1" smtClean="0"/>
+              <a:t>metodos</a:t>
+            </a:r>
+            <a:r>
+              <a:rPr lang="es-ES" dirty="0" smtClean="0"/>
+              <a:t> </a:t>
+            </a:r>
+            <a:r>
+              <a:rPr lang="es-ES" dirty="0" err="1" smtClean="0"/>
+              <a:t>Arrays</a:t>
             </a:r>
             <a:endParaRPr lang="es-ES" dirty="0"/>
           </a:p>
@@ -15677,7 +15870,7 @@
       </p:sp>
       <p:sp>
         <p:nvSpPr>
-          <p:cNvPr id="3" name="2 Marcador de contenido"/>
+          <p:cNvPr id="5" name="4 Marcador de contenido"/>
           <p:cNvSpPr>
             <a:spLocks noGrp="1"/>
           </p:cNvSpPr>
@@ -15687,151 +15880,48 @@
         </p:nvSpPr>
         <p:spPr/>
         <p:txBody>
-          <a:bodyPr>
-            <a:normAutofit fontScale="55000" lnSpcReduction="20000"/>
-          </a:bodyPr>
+          <a:bodyPr/>
           <a:lstStyle/>
           <a:p>
             <a:r>
+              <a:rPr lang="es-ES" dirty="0">
+                <a:hlinkClick r:id="rId2"/>
+              </a:rPr>
+              <a:t>https://</a:t>
+            </a:r>
+            <a:r>
+              <a:rPr lang="es-ES" dirty="0" smtClean="0">
+                <a:hlinkClick r:id="rId2"/>
+              </a:rPr>
+              <a:t>www.w3schools.com/js/js_arrays.asp</a:t>
+            </a:r>
+            <a:endParaRPr lang="es-ES" dirty="0" smtClean="0"/>
+          </a:p>
+          <a:p>
+            <a:endParaRPr lang="es-ES" dirty="0"/>
+          </a:p>
+          <a:p>
+            <a:r>
+              <a:rPr lang="es-ES" dirty="0">
+                <a:hlinkClick r:id="rId3"/>
+              </a:rPr>
+              <a:t>https://</a:t>
+            </a:r>
+            <a:r>
+              <a:rPr lang="es-ES" dirty="0" smtClean="0">
+                <a:hlinkClick r:id="rId3"/>
+              </a:rPr>
+              <a:t>www.w3schools.com/js/js_array_methods.asp</a:t>
+            </a:r>
+            <a:endParaRPr lang="es-ES" dirty="0" smtClean="0"/>
+          </a:p>
+          <a:p>
+            <a:endParaRPr lang="es-ES" dirty="0"/>
+          </a:p>
+          <a:p>
+            <a:r>
               <a:rPr lang="es-ES" dirty="0"/>
-              <a:t>Dado el </a:t>
-            </a:r>
-            <a:r>
-              <a:rPr lang="es-ES" dirty="0" err="1"/>
-              <a:t>array</a:t>
-            </a:r>
-            <a:r>
-              <a:rPr lang="es-ES" dirty="0"/>
-              <a:t> = [1,2,3,4,5,6]</a:t>
-            </a:r>
-          </a:p>
-          <a:p>
-            <a:endParaRPr lang="es-ES" dirty="0"/>
-          </a:p>
-          <a:p>
-            <a:pPr lvl="1"/>
-            <a:r>
-              <a:rPr lang="es-ES" dirty="0"/>
-              <a:t>Iterar por todos los elementos dentro de un </a:t>
-            </a:r>
-            <a:r>
-              <a:rPr lang="es-ES" dirty="0" err="1"/>
-              <a:t>array</a:t>
-            </a:r>
-            <a:r>
-              <a:rPr lang="es-ES" dirty="0"/>
-              <a:t> utilizando </a:t>
-            </a:r>
-            <a:r>
-              <a:rPr lang="es-ES" dirty="0" err="1"/>
-              <a:t>while</a:t>
-            </a:r>
-            <a:r>
-              <a:rPr lang="es-ES" dirty="0"/>
-              <a:t> y mostrarlos en pantalla.</a:t>
-            </a:r>
-          </a:p>
-          <a:p>
-            <a:pPr lvl="1"/>
-            <a:endParaRPr lang="es-ES" dirty="0"/>
-          </a:p>
-          <a:p>
-            <a:pPr lvl="1"/>
-            <a:r>
-              <a:rPr lang="es-ES" dirty="0"/>
-              <a:t>Iterar por todos los elementos dentro de un </a:t>
-            </a:r>
-            <a:r>
-              <a:rPr lang="es-ES" dirty="0" err="1"/>
-              <a:t>array</a:t>
-            </a:r>
-            <a:r>
-              <a:rPr lang="es-ES" dirty="0"/>
-              <a:t> utilizando </a:t>
-            </a:r>
-            <a:r>
-              <a:rPr lang="es-ES" dirty="0" err="1"/>
-              <a:t>for</a:t>
-            </a:r>
-            <a:r>
-              <a:rPr lang="es-ES" dirty="0"/>
-              <a:t> y mostrarlos en pantalla.</a:t>
-            </a:r>
-          </a:p>
-          <a:p>
-            <a:pPr lvl="1"/>
-            <a:endParaRPr lang="es-ES" dirty="0"/>
-          </a:p>
-          <a:p>
-            <a:pPr lvl="1"/>
-            <a:r>
-              <a:rPr lang="es-ES" dirty="0"/>
-              <a:t>Iterar por todos los elementos dentro de un </a:t>
-            </a:r>
-            <a:r>
-              <a:rPr lang="es-ES" dirty="0" err="1"/>
-              <a:t>array</a:t>
-            </a:r>
-            <a:r>
-              <a:rPr lang="es-ES" dirty="0"/>
-              <a:t> utilizando .</a:t>
-            </a:r>
-            <a:r>
-              <a:rPr lang="es-ES" dirty="0" err="1"/>
-              <a:t>forEach</a:t>
-            </a:r>
-            <a:r>
-              <a:rPr lang="es-ES" dirty="0"/>
-              <a:t> y mostrarlos en pantalla.</a:t>
-            </a:r>
-          </a:p>
-          <a:p>
-            <a:pPr lvl="1"/>
-            <a:endParaRPr lang="es-ES" dirty="0"/>
-          </a:p>
-          <a:p>
-            <a:pPr lvl="1"/>
-            <a:r>
-              <a:rPr lang="es-ES" dirty="0"/>
-              <a:t>Mostrar todos los elementos dentro de un </a:t>
-            </a:r>
-            <a:r>
-              <a:rPr lang="es-ES" dirty="0" err="1"/>
-              <a:t>array</a:t>
-            </a:r>
-            <a:r>
-              <a:rPr lang="es-ES" dirty="0"/>
-              <a:t> sumándole uno a cada uno.</a:t>
-            </a:r>
-          </a:p>
-          <a:p>
-            <a:pPr lvl="1"/>
-            <a:endParaRPr lang="es-ES" dirty="0"/>
-          </a:p>
-          <a:p>
-            <a:pPr lvl="1"/>
-            <a:r>
-              <a:rPr lang="es-ES" dirty="0"/>
-              <a:t>Generar una copia de un </a:t>
-            </a:r>
-            <a:r>
-              <a:rPr lang="es-ES" dirty="0" err="1"/>
-              <a:t>array</a:t>
-            </a:r>
-            <a:r>
-              <a:rPr lang="es-ES" dirty="0"/>
-              <a:t> pero con todos los elementos incrementado en 1.</a:t>
-            </a:r>
-          </a:p>
-          <a:p>
-            <a:pPr lvl="1"/>
-            <a:endParaRPr lang="es-ES" dirty="0"/>
-          </a:p>
-          <a:p>
-            <a:pPr lvl="1"/>
-            <a:r>
-              <a:rPr lang="es-ES" dirty="0"/>
-              <a:t>Calcular el promedio</a:t>
+              <a:t>https://www.w3schools.com/js/js_array_sort.asp</a:t>
             </a:r>
           </a:p>
         </p:txBody>
@@ -15839,7 +15929,7 @@
     </p:spTree>
     <p:extLst>
       <p:ext uri="{BB962C8B-B14F-4D97-AF65-F5344CB8AC3E}">
-        <p14:creationId xmlns:p14="http://schemas.microsoft.com/office/powerpoint/2010/main" val="2578021538"/>
+        <p14:creationId xmlns:p14="http://schemas.microsoft.com/office/powerpoint/2010/main" val="3095811660"/>
       </p:ext>
     </p:extLst>
   </p:cSld>
@@ -15883,6 +15973,220 @@
           <a:p>
             <a:r>
               <a:rPr lang="es-ES" dirty="0" smtClean="0"/>
+              <a:t>Ejercicios</a:t>
+            </a:r>
+            <a:endParaRPr lang="es-ES" dirty="0"/>
+          </a:p>
+        </p:txBody>
+      </p:sp>
+      <p:sp>
+        <p:nvSpPr>
+          <p:cNvPr id="3" name="2 Marcador de contenido"/>
+          <p:cNvSpPr>
+            <a:spLocks noGrp="1"/>
+          </p:cNvSpPr>
+          <p:nvPr>
+            <p:ph idx="1"/>
+          </p:nvPr>
+        </p:nvSpPr>
+        <p:spPr/>
+        <p:txBody>
+          <a:bodyPr>
+            <a:normAutofit fontScale="55000" lnSpcReduction="20000"/>
+          </a:bodyPr>
+          <a:lstStyle/>
+          <a:p>
+            <a:r>
+              <a:rPr lang="es-ES" dirty="0"/>
+              <a:t>Dado el </a:t>
+            </a:r>
+            <a:r>
+              <a:rPr lang="es-ES" dirty="0" err="1"/>
+              <a:t>array</a:t>
+            </a:r>
+            <a:r>
+              <a:rPr lang="es-ES" dirty="0"/>
+              <a:t> = [1,2,3,4,5,6]</a:t>
+            </a:r>
+          </a:p>
+          <a:p>
+            <a:endParaRPr lang="es-ES" dirty="0"/>
+          </a:p>
+          <a:p>
+            <a:pPr lvl="1"/>
+            <a:r>
+              <a:rPr lang="es-ES" dirty="0"/>
+              <a:t>Iterar por todos los elementos dentro de un </a:t>
+            </a:r>
+            <a:r>
+              <a:rPr lang="es-ES" dirty="0" err="1"/>
+              <a:t>array</a:t>
+            </a:r>
+            <a:r>
+              <a:rPr lang="es-ES" dirty="0"/>
+              <a:t> utilizando </a:t>
+            </a:r>
+            <a:r>
+              <a:rPr lang="es-ES" dirty="0" err="1"/>
+              <a:t>while</a:t>
+            </a:r>
+            <a:r>
+              <a:rPr lang="es-ES" dirty="0"/>
+              <a:t> y mostrarlos en pantalla.</a:t>
+            </a:r>
+          </a:p>
+          <a:p>
+            <a:pPr lvl="1"/>
+            <a:endParaRPr lang="es-ES" dirty="0"/>
+          </a:p>
+          <a:p>
+            <a:pPr lvl="1"/>
+            <a:r>
+              <a:rPr lang="es-ES" dirty="0"/>
+              <a:t>Iterar por todos los elementos dentro de un </a:t>
+            </a:r>
+            <a:r>
+              <a:rPr lang="es-ES" dirty="0" err="1"/>
+              <a:t>array</a:t>
+            </a:r>
+            <a:r>
+              <a:rPr lang="es-ES" dirty="0"/>
+              <a:t> utilizando </a:t>
+            </a:r>
+            <a:r>
+              <a:rPr lang="es-ES" dirty="0" err="1"/>
+              <a:t>for</a:t>
+            </a:r>
+            <a:r>
+              <a:rPr lang="es-ES" dirty="0"/>
+              <a:t> y mostrarlos en pantalla.</a:t>
+            </a:r>
+          </a:p>
+          <a:p>
+            <a:pPr lvl="1"/>
+            <a:endParaRPr lang="es-ES" dirty="0"/>
+          </a:p>
+          <a:p>
+            <a:pPr lvl="1"/>
+            <a:r>
+              <a:rPr lang="es-ES" dirty="0"/>
+              <a:t>Iterar por todos los elementos dentro de un </a:t>
+            </a:r>
+            <a:r>
+              <a:rPr lang="es-ES" dirty="0" err="1"/>
+              <a:t>array</a:t>
+            </a:r>
+            <a:r>
+              <a:rPr lang="es-ES" dirty="0"/>
+              <a:t> utilizando .</a:t>
+            </a:r>
+            <a:r>
+              <a:rPr lang="es-ES" dirty="0" err="1"/>
+              <a:t>forEach</a:t>
+            </a:r>
+            <a:r>
+              <a:rPr lang="es-ES" dirty="0"/>
+              <a:t> y mostrarlos en pantalla.</a:t>
+            </a:r>
+          </a:p>
+          <a:p>
+            <a:pPr lvl="1"/>
+            <a:endParaRPr lang="es-ES" dirty="0"/>
+          </a:p>
+          <a:p>
+            <a:pPr lvl="1"/>
+            <a:r>
+              <a:rPr lang="es-ES" dirty="0"/>
+              <a:t>Mostrar todos los elementos dentro de un </a:t>
+            </a:r>
+            <a:r>
+              <a:rPr lang="es-ES" dirty="0" err="1"/>
+              <a:t>array</a:t>
+            </a:r>
+            <a:r>
+              <a:rPr lang="es-ES" dirty="0"/>
+              <a:t> sumándole uno a cada uno.</a:t>
+            </a:r>
+          </a:p>
+          <a:p>
+            <a:pPr lvl="1"/>
+            <a:endParaRPr lang="es-ES" dirty="0"/>
+          </a:p>
+          <a:p>
+            <a:pPr lvl="1"/>
+            <a:r>
+              <a:rPr lang="es-ES" dirty="0"/>
+              <a:t>Generar una copia de un </a:t>
+            </a:r>
+            <a:r>
+              <a:rPr lang="es-ES" dirty="0" err="1"/>
+              <a:t>array</a:t>
+            </a:r>
+            <a:r>
+              <a:rPr lang="es-ES" dirty="0"/>
+              <a:t> pero con todos los elementos incrementado en 1.</a:t>
+            </a:r>
+          </a:p>
+          <a:p>
+            <a:pPr lvl="1"/>
+            <a:endParaRPr lang="es-ES" dirty="0"/>
+          </a:p>
+          <a:p>
+            <a:pPr lvl="1"/>
+            <a:r>
+              <a:rPr lang="es-ES" dirty="0"/>
+              <a:t>Calcular el promedio</a:t>
+            </a:r>
+          </a:p>
+        </p:txBody>
+      </p:sp>
+    </p:spTree>
+    <p:extLst>
+      <p:ext uri="{BB962C8B-B14F-4D97-AF65-F5344CB8AC3E}">
+        <p14:creationId xmlns:p14="http://schemas.microsoft.com/office/powerpoint/2010/main" val="2578021538"/>
+      </p:ext>
+    </p:extLst>
+  </p:cSld>
+  <p:clrMapOvr>
+    <a:masterClrMapping/>
+  </p:clrMapOvr>
+</p:sld>
+</file>
+
+<file path=ppt/slides/slide15.xml><?xml version="1.0" encoding="utf-8"?>
+<p:sld xmlns:a="http://schemas.openxmlformats.org/drawingml/2006/main" xmlns:r="http://schemas.openxmlformats.org/officeDocument/2006/relationships" xmlns:p="http://schemas.openxmlformats.org/presentationml/2006/main">
+  <p:cSld>
+    <p:spTree>
+      <p:nvGrpSpPr>
+        <p:cNvPr id="1" name=""/>
+        <p:cNvGrpSpPr/>
+        <p:nvPr/>
+      </p:nvGrpSpPr>
+      <p:grpSpPr>
+        <a:xfrm>
+          <a:off x="0" y="0"/>
+          <a:ext cx="0" cy="0"/>
+          <a:chOff x="0" y="0"/>
+          <a:chExt cx="0" cy="0"/>
+        </a:xfrm>
+      </p:grpSpPr>
+      <p:sp>
+        <p:nvSpPr>
+          <p:cNvPr id="2" name="1 Título"/>
+          <p:cNvSpPr>
+            <a:spLocks noGrp="1"/>
+          </p:cNvSpPr>
+          <p:nvPr>
+            <p:ph type="title"/>
+          </p:nvPr>
+        </p:nvSpPr>
+        <p:spPr/>
+        <p:txBody>
+          <a:bodyPr/>
+          <a:lstStyle/>
+          <a:p>
+            <a:r>
+              <a:rPr lang="es-ES" dirty="0" smtClean="0"/>
               <a:t>Ejercicio</a:t>
             </a:r>
             <a:endParaRPr lang="es-ES" dirty="0"/>
@@ -15982,7 +16286,7 @@
 </p:sld>
 </file>
 
-<file path=ppt/slides/slide15.xml><?xml version="1.0" encoding="utf-8"?>
+<file path=ppt/slides/slide16.xml><?xml version="1.0" encoding="utf-8"?>
 <p:sld xmlns:a="http://schemas.openxmlformats.org/drawingml/2006/main" xmlns:r="http://schemas.openxmlformats.org/officeDocument/2006/relationships" xmlns:p="http://schemas.openxmlformats.org/presentationml/2006/main">
   <p:cSld>
     <p:spTree>
@@ -16398,6 +16702,316 @@
 </file>
 
 <file path=ppt/slides/slide4.xml><?xml version="1.0" encoding="utf-8"?>
+<p:sld xmlns:a="http://schemas.openxmlformats.org/drawingml/2006/main" xmlns:r="http://schemas.openxmlformats.org/officeDocument/2006/relationships" xmlns:p="http://schemas.openxmlformats.org/presentationml/2006/main">
+  <p:cSld>
+    <p:spTree>
+      <p:nvGrpSpPr>
+        <p:cNvPr id="1" name=""/>
+        <p:cNvGrpSpPr/>
+        <p:nvPr/>
+      </p:nvGrpSpPr>
+      <p:grpSpPr>
+        <a:xfrm>
+          <a:off x="0" y="0"/>
+          <a:ext cx="0" cy="0"/>
+          <a:chOff x="0" y="0"/>
+          <a:chExt cx="0" cy="0"/>
+        </a:xfrm>
+      </p:grpSpPr>
+      <p:sp>
+        <p:nvSpPr>
+          <p:cNvPr id="2" name="1 Título"/>
+          <p:cNvSpPr>
+            <a:spLocks noGrp="1"/>
+          </p:cNvSpPr>
+          <p:nvPr>
+            <p:ph type="title"/>
+          </p:nvPr>
+        </p:nvSpPr>
+        <p:spPr/>
+        <p:txBody>
+          <a:bodyPr/>
+          <a:lstStyle/>
+          <a:p>
+            <a:r>
+              <a:rPr lang="es-ES" dirty="0" err="1" smtClean="0"/>
+              <a:t>GitHub</a:t>
+            </a:r>
+            <a:endParaRPr lang="es-ES" dirty="0"/>
+          </a:p>
+        </p:txBody>
+      </p:sp>
+      <p:sp>
+        <p:nvSpPr>
+          <p:cNvPr id="3" name="2 Marcador de contenido"/>
+          <p:cNvSpPr>
+            <a:spLocks noGrp="1"/>
+          </p:cNvSpPr>
+          <p:nvPr>
+            <p:ph sz="quarter" idx="13"/>
+          </p:nvPr>
+        </p:nvSpPr>
+        <p:spPr/>
+        <p:txBody>
+          <a:bodyPr>
+            <a:noAutofit/>
+          </a:bodyPr>
+          <a:lstStyle/>
+          <a:p>
+            <a:r>
+              <a:rPr lang="es-ES" sz="1600" dirty="0" smtClean="0"/>
+              <a:t>Clonar una Repo</a:t>
+            </a:r>
+          </a:p>
+          <a:p>
+            <a:pPr lvl="1"/>
+            <a:r>
+              <a:rPr lang="es-ES" sz="1400" dirty="0" err="1" smtClean="0"/>
+              <a:t>git</a:t>
+            </a:r>
+            <a:r>
+              <a:rPr lang="es-ES" sz="1400" dirty="0" smtClean="0"/>
+              <a:t> </a:t>
+            </a:r>
+            <a:r>
+              <a:rPr lang="es-ES" sz="1400" dirty="0"/>
+              <a:t>clone </a:t>
+            </a:r>
+            <a:r>
+              <a:rPr lang="es-ES" sz="1400" dirty="0">
+                <a:hlinkClick r:id="rId2"/>
+              </a:rPr>
+              <a:t>https://</a:t>
+            </a:r>
+            <a:r>
+              <a:rPr lang="es-ES" sz="1400" dirty="0" smtClean="0">
+                <a:hlinkClick r:id="rId2"/>
+              </a:rPr>
+              <a:t>github.com/romercepeda/3645.git</a:t>
+            </a:r>
+            <a:endParaRPr lang="es-ES" sz="1400" dirty="0" smtClean="0"/>
+          </a:p>
+          <a:p>
+            <a:endParaRPr lang="es-ES" sz="1600" dirty="0"/>
+          </a:p>
+          <a:p>
+            <a:r>
+              <a:rPr lang="es-ES" sz="1600" dirty="0" smtClean="0"/>
+              <a:t>Subir </a:t>
+            </a:r>
+            <a:r>
+              <a:rPr lang="es-ES" sz="1600" dirty="0"/>
+              <a:t>un archivo o un </a:t>
+            </a:r>
+            <a:r>
+              <a:rPr lang="es-ES" sz="1600" dirty="0" smtClean="0"/>
+              <a:t>cambio</a:t>
+            </a:r>
+          </a:p>
+          <a:p>
+            <a:endParaRPr lang="es-ES" sz="1600" dirty="0"/>
+          </a:p>
+          <a:p>
+            <a:r>
+              <a:rPr lang="es-ES" sz="1600" dirty="0" smtClean="0"/>
+              <a:t>suben </a:t>
+            </a:r>
+            <a:r>
+              <a:rPr lang="es-ES" sz="1600" dirty="0"/>
+              <a:t>todo</a:t>
+            </a:r>
+          </a:p>
+          <a:p>
+            <a:pPr lvl="1"/>
+            <a:r>
+              <a:rPr lang="es-ES" sz="1600" dirty="0" err="1" smtClean="0"/>
+              <a:t>git</a:t>
+            </a:r>
+            <a:r>
+              <a:rPr lang="es-ES" sz="1600" dirty="0" smtClean="0"/>
+              <a:t> </a:t>
+            </a:r>
+            <a:r>
+              <a:rPr lang="es-ES" sz="1600" dirty="0" err="1"/>
+              <a:t>add</a:t>
+            </a:r>
+            <a:r>
+              <a:rPr lang="es-ES" sz="1600" dirty="0"/>
+              <a:t> .</a:t>
+            </a:r>
+          </a:p>
+          <a:p>
+            <a:endParaRPr lang="es-ES" sz="1600" dirty="0"/>
+          </a:p>
+          <a:p>
+            <a:r>
+              <a:rPr lang="es-ES" sz="1600" dirty="0" smtClean="0"/>
+              <a:t>Suben </a:t>
+            </a:r>
+            <a:r>
+              <a:rPr lang="es-ES" sz="1600" dirty="0"/>
+              <a:t>un archivo</a:t>
+            </a:r>
+          </a:p>
+          <a:p>
+            <a:pPr lvl="1"/>
+            <a:r>
+              <a:rPr lang="es-ES" sz="1600" dirty="0" err="1" smtClean="0"/>
+              <a:t>git</a:t>
+            </a:r>
+            <a:r>
+              <a:rPr lang="es-ES" sz="1600" dirty="0" smtClean="0"/>
+              <a:t> </a:t>
+            </a:r>
+            <a:r>
+              <a:rPr lang="es-ES" sz="1600" dirty="0" err="1"/>
+              <a:t>add</a:t>
+            </a:r>
+            <a:r>
+              <a:rPr lang="es-ES" sz="1600" dirty="0"/>
+              <a:t> </a:t>
+            </a:r>
+            <a:r>
+              <a:rPr lang="es-ES" sz="1600" dirty="0" err="1"/>
+              <a:t>NombreArchivo.ext</a:t>
+            </a:r>
+            <a:endParaRPr lang="es-ES" sz="1600" dirty="0"/>
+          </a:p>
+          <a:p>
+            <a:endParaRPr lang="es-ES" sz="1600" dirty="0"/>
+          </a:p>
+          <a:p>
+            <a:endParaRPr lang="es-ES" sz="1600" dirty="0"/>
+          </a:p>
+          <a:p>
+            <a:endParaRPr lang="es-ES" sz="1600" dirty="0"/>
+          </a:p>
+        </p:txBody>
+      </p:sp>
+      <p:sp>
+        <p:nvSpPr>
+          <p:cNvPr id="7" name="6 Marcador de contenido"/>
+          <p:cNvSpPr>
+            <a:spLocks noGrp="1"/>
+          </p:cNvSpPr>
+          <p:nvPr>
+            <p:ph sz="quarter" idx="14"/>
+          </p:nvPr>
+        </p:nvSpPr>
+        <p:spPr/>
+        <p:txBody>
+          <a:bodyPr>
+            <a:normAutofit/>
+          </a:bodyPr>
+          <a:lstStyle/>
+          <a:p>
+            <a:r>
+              <a:rPr lang="es-ES" sz="1600" dirty="0"/>
+              <a:t>Estado del repositorio..</a:t>
+            </a:r>
+          </a:p>
+          <a:p>
+            <a:r>
+              <a:rPr lang="es-ES" sz="1600" dirty="0" err="1"/>
+              <a:t>git</a:t>
+            </a:r>
+            <a:r>
+              <a:rPr lang="es-ES" sz="1600" dirty="0"/>
+              <a:t> status</a:t>
+            </a:r>
+          </a:p>
+          <a:p>
+            <a:endParaRPr lang="es-ES" sz="1600" dirty="0"/>
+          </a:p>
+          <a:p>
+            <a:r>
+              <a:rPr lang="es-ES" sz="1600" dirty="0"/>
+              <a:t>Indica las diferencias del los archivos..</a:t>
+            </a:r>
+          </a:p>
+          <a:p>
+            <a:r>
+              <a:rPr lang="es-ES" sz="1600" dirty="0" err="1"/>
+              <a:t>git</a:t>
+            </a:r>
+            <a:r>
+              <a:rPr lang="es-ES" sz="1600" dirty="0"/>
+              <a:t> </a:t>
+            </a:r>
+            <a:r>
+              <a:rPr lang="es-ES" sz="1600" dirty="0" err="1"/>
+              <a:t>diff</a:t>
+            </a:r>
+            <a:endParaRPr lang="es-ES" sz="1600" dirty="0"/>
+          </a:p>
+          <a:p>
+            <a:endParaRPr lang="es-ES" sz="1600" dirty="0"/>
+          </a:p>
+          <a:p>
+            <a:r>
+              <a:rPr lang="es-ES" sz="1600" dirty="0" smtClean="0"/>
+              <a:t>Envía </a:t>
+            </a:r>
+            <a:r>
+              <a:rPr lang="es-ES" sz="1600" dirty="0"/>
+              <a:t>al server</a:t>
+            </a:r>
+          </a:p>
+          <a:p>
+            <a:r>
+              <a:rPr lang="es-ES" sz="1600" dirty="0" err="1"/>
+              <a:t>git</a:t>
+            </a:r>
+            <a:r>
+              <a:rPr lang="es-ES" sz="1600" dirty="0"/>
+              <a:t> </a:t>
+            </a:r>
+            <a:r>
+              <a:rPr lang="es-ES" sz="1600" dirty="0" err="1"/>
+              <a:t>commit</a:t>
+            </a:r>
+            <a:r>
+              <a:rPr lang="es-ES" sz="1600" dirty="0"/>
+              <a:t> -m "alguna mensaje"</a:t>
+            </a:r>
+          </a:p>
+          <a:p>
+            <a:r>
+              <a:rPr lang="es-ES" sz="1600" dirty="0" err="1"/>
+              <a:t>git</a:t>
+            </a:r>
+            <a:r>
+              <a:rPr lang="es-ES" sz="1600" dirty="0"/>
+              <a:t> </a:t>
+            </a:r>
+            <a:r>
+              <a:rPr lang="es-ES" sz="1600" dirty="0" err="1"/>
+              <a:t>push</a:t>
+            </a:r>
+            <a:r>
+              <a:rPr lang="es-ES" sz="1600" dirty="0"/>
+              <a:t> </a:t>
+            </a:r>
+          </a:p>
+          <a:p>
+            <a:endParaRPr lang="es-ES" sz="1600" dirty="0"/>
+          </a:p>
+        </p:txBody>
+      </p:sp>
+    </p:spTree>
+    <p:extLst>
+      <p:ext uri="{BB962C8B-B14F-4D97-AF65-F5344CB8AC3E}">
+        <p14:creationId xmlns:p14="http://schemas.microsoft.com/office/powerpoint/2010/main" val="849515540"/>
+      </p:ext>
+    </p:extLst>
+  </p:cSld>
+  <p:clrMapOvr>
+    <a:masterClrMapping/>
+  </p:clrMapOvr>
+</p:sld>
+</file>
+
+<file path=ppt/slides/slide5.xml><?xml version="1.0" encoding="utf-8"?>
 <p:sld xmlns:a="http://schemas.openxmlformats.org/drawingml/2006/main" xmlns:r="http://schemas.openxmlformats.org/officeDocument/2006/relationships" xmlns:p="http://schemas.openxmlformats.org/presentationml/2006/main">
   <p:cSld>
     <p:spTree>
@@ -16614,133 +17228,6 @@
 </p:sld>
 </file>
 
-<file path=ppt/slides/slide5.xml><?xml version="1.0" encoding="utf-8"?>
-<p:sld xmlns:a="http://schemas.openxmlformats.org/drawingml/2006/main" xmlns:r="http://schemas.openxmlformats.org/officeDocument/2006/relationships" xmlns:p="http://schemas.openxmlformats.org/presentationml/2006/main">
-  <p:cSld>
-    <p:spTree>
-      <p:nvGrpSpPr>
-        <p:cNvPr id="1" name=""/>
-        <p:cNvGrpSpPr/>
-        <p:nvPr/>
-      </p:nvGrpSpPr>
-      <p:grpSpPr>
-        <a:xfrm>
-          <a:off x="0" y="0"/>
-          <a:ext cx="0" cy="0"/>
-          <a:chOff x="0" y="0"/>
-          <a:chExt cx="0" cy="0"/>
-        </a:xfrm>
-      </p:grpSpPr>
-      <p:sp>
-        <p:nvSpPr>
-          <p:cNvPr id="2" name="1 Título"/>
-          <p:cNvSpPr>
-            <a:spLocks noGrp="1"/>
-          </p:cNvSpPr>
-          <p:nvPr>
-            <p:ph type="title"/>
-          </p:nvPr>
-        </p:nvSpPr>
-        <p:spPr/>
-        <p:txBody>
-          <a:bodyPr/>
-          <a:lstStyle/>
-          <a:p>
-            <a:r>
-              <a:rPr lang="es-ES" dirty="0" smtClean="0"/>
-              <a:t>Construir un Objeto</a:t>
-            </a:r>
-            <a:endParaRPr lang="es-ES" dirty="0"/>
-          </a:p>
-        </p:txBody>
-      </p:sp>
-      <p:sp>
-        <p:nvSpPr>
-          <p:cNvPr id="3" name="2 Marcador de contenido"/>
-          <p:cNvSpPr>
-            <a:spLocks noGrp="1"/>
-          </p:cNvSpPr>
-          <p:nvPr>
-            <p:ph idx="1"/>
-          </p:nvPr>
-        </p:nvSpPr>
-        <p:spPr/>
-        <p:txBody>
-          <a:bodyPr>
-            <a:normAutofit/>
-          </a:bodyPr>
-          <a:lstStyle/>
-          <a:p>
-            <a:r>
-              <a:rPr lang="es-ES" dirty="0" smtClean="0"/>
-              <a:t>Definición: {}</a:t>
-            </a:r>
-          </a:p>
-          <a:p>
-            <a:endParaRPr lang="es-ES" dirty="0" smtClean="0"/>
-          </a:p>
-          <a:p>
-            <a:r>
-              <a:rPr lang="es-ES" dirty="0" smtClean="0"/>
-              <a:t>Constructor encapsulando el resultado:  </a:t>
-            </a:r>
-            <a:r>
-              <a:rPr lang="es-ES" dirty="0" err="1" smtClean="0"/>
-              <a:t>function</a:t>
-            </a:r>
-            <a:r>
-              <a:rPr lang="es-ES" dirty="0" smtClean="0"/>
-              <a:t>() {</a:t>
-            </a:r>
-            <a:r>
-              <a:rPr lang="es-ES" dirty="0" err="1" smtClean="0"/>
-              <a:t>return</a:t>
-            </a:r>
-            <a:r>
-              <a:rPr lang="es-ES" dirty="0" smtClean="0"/>
-              <a:t>}</a:t>
-            </a:r>
-          </a:p>
-          <a:p>
-            <a:endParaRPr lang="es-ES" dirty="0" smtClean="0"/>
-          </a:p>
-          <a:p>
-            <a:r>
-              <a:rPr lang="es-ES" dirty="0" smtClean="0"/>
-              <a:t>Constructor con  «</a:t>
-            </a:r>
-            <a:r>
-              <a:rPr lang="es-ES" dirty="0" err="1" smtClean="0"/>
-              <a:t>this</a:t>
-            </a:r>
-            <a:r>
-              <a:rPr lang="es-ES" dirty="0" smtClean="0"/>
-              <a:t>».</a:t>
-            </a:r>
-            <a:endParaRPr lang="es-ES" dirty="0"/>
-          </a:p>
-        </p:txBody>
-      </p:sp>
-    </p:spTree>
-    <p:extLst>
-      <p:ext uri="{BB962C8B-B14F-4D97-AF65-F5344CB8AC3E}">
-        <p14:creationId xmlns:p14="http://schemas.microsoft.com/office/powerpoint/2010/main" val="2688157377"/>
-      </p:ext>
-    </p:extLst>
-  </p:cSld>
-  <p:clrMapOvr>
-    <a:masterClrMapping/>
-  </p:clrMapOvr>
-  <p:timing>
-    <p:tnLst>
-      <p:par>
-        <p:cTn id="1" dur="indefinite" restart="never" nodeType="tmRoot"/>
-      </p:par>
-    </p:tnLst>
-  </p:timing>
-</p:sld>
-</file>
-
 <file path=ppt/slides/slide6.xml><?xml version="1.0" encoding="utf-8"?>
 <p:sld xmlns:a="http://schemas.openxmlformats.org/drawingml/2006/main" xmlns:r="http://schemas.openxmlformats.org/officeDocument/2006/relationships" xmlns:p="http://schemas.openxmlformats.org/presentationml/2006/main">
   <p:cSld>
@@ -16775,7 +17262,7 @@
           <a:p>
             <a:r>
               <a:rPr lang="es-ES" dirty="0" smtClean="0"/>
-              <a:t>Ejercicio</a:t>
+              <a:t>Construir un Objeto</a:t>
             </a:r>
             <a:endParaRPr lang="es-ES" dirty="0"/>
           </a:p>
@@ -16794,214 +17281,77 @@
         <p:spPr/>
         <p:txBody>
           <a:bodyPr>
-            <a:noAutofit/>
+            <a:normAutofit/>
           </a:bodyPr>
           <a:lstStyle/>
           <a:p>
             <a:r>
-              <a:rPr lang="es-ES" sz="1400" dirty="0"/>
-              <a:t># Hacer un objeto que represente un </a:t>
-            </a:r>
-            <a:r>
-              <a:rPr lang="es-ES" sz="1400" dirty="0" smtClean="0"/>
-              <a:t>usuario</a:t>
-            </a:r>
-            <a:endParaRPr lang="es-ES" sz="1400" dirty="0"/>
-          </a:p>
-          <a:p>
-            <a:r>
-              <a:rPr lang="es-ES" sz="1400" dirty="0" smtClean="0"/>
-              <a:t>Deberá </a:t>
-            </a:r>
-            <a:r>
-              <a:rPr lang="es-ES" sz="1400" dirty="0"/>
-              <a:t>tener las propiedades id `id` (se deberá generar uno automáticamente cuando creo el usuario), nombre `</a:t>
-            </a:r>
-            <a:r>
-              <a:rPr lang="es-ES" sz="1400" dirty="0" err="1"/>
-              <a:t>firstName</a:t>
-            </a:r>
-            <a:r>
-              <a:rPr lang="es-ES" sz="1400" dirty="0"/>
-              <a:t>`, apellido `</a:t>
-            </a:r>
-            <a:r>
-              <a:rPr lang="es-ES" sz="1400" dirty="0" err="1"/>
-              <a:t>lastName</a:t>
-            </a:r>
-            <a:r>
-              <a:rPr lang="es-ES" sz="1400" dirty="0"/>
-              <a:t>`, edad `</a:t>
-            </a:r>
-            <a:r>
-              <a:rPr lang="es-ES" sz="1400" dirty="0" err="1"/>
-              <a:t>age</a:t>
-            </a:r>
-            <a:r>
-              <a:rPr lang="es-ES" sz="1400" dirty="0"/>
-              <a:t>`, dirección `</a:t>
-            </a:r>
-            <a:r>
-              <a:rPr lang="es-ES" sz="1400" dirty="0" err="1"/>
-              <a:t>address</a:t>
-            </a:r>
-            <a:r>
-              <a:rPr lang="es-ES" sz="1400" dirty="0"/>
-              <a:t>`.</a:t>
-            </a:r>
-          </a:p>
-          <a:p>
-            <a:r>
-              <a:rPr lang="es-ES" sz="1400" dirty="0" smtClean="0"/>
-              <a:t>Deberá </a:t>
-            </a:r>
-            <a:r>
-              <a:rPr lang="es-ES" sz="1400" dirty="0"/>
-              <a:t>tener los métodos:</a:t>
-            </a:r>
-          </a:p>
-          <a:p>
-            <a:r>
-              <a:rPr lang="es-ES" sz="1400" dirty="0"/>
-              <a:t> </a:t>
-            </a:r>
-            <a:r>
-              <a:rPr lang="es-ES" sz="1400" dirty="0" smtClean="0"/>
-              <a:t>Mostrar </a:t>
-            </a:r>
-            <a:r>
-              <a:rPr lang="es-ES" sz="1400" dirty="0"/>
-              <a:t>nombre completo `</a:t>
-            </a:r>
-            <a:r>
-              <a:rPr lang="es-ES" sz="1400" dirty="0" err="1"/>
-              <a:t>fullName</a:t>
-            </a:r>
-            <a:r>
-              <a:rPr lang="es-ES" sz="1400" dirty="0"/>
-              <a:t>`, deberá mostrar en consola el nombre completo del usuario.</a:t>
-            </a:r>
-          </a:p>
-          <a:p>
-            <a:r>
-              <a:rPr lang="es-ES" sz="1400" dirty="0" smtClean="0"/>
-              <a:t>Es </a:t>
-            </a:r>
-            <a:r>
-              <a:rPr lang="es-ES" sz="1400" dirty="0"/>
-              <a:t>mayor de edad `</a:t>
-            </a:r>
-            <a:r>
-              <a:rPr lang="es-ES" sz="1400" dirty="0" err="1"/>
-              <a:t>isLegalAge</a:t>
-            </a:r>
-            <a:r>
-              <a:rPr lang="es-ES" sz="1400" dirty="0"/>
-              <a:t>` que deberá devolver `true` si tiene 18 años o más y `false` en caso contrario.</a:t>
-            </a:r>
-          </a:p>
-          <a:p>
-            <a:r>
-              <a:rPr lang="es-ES" sz="1400" dirty="0" smtClean="0"/>
-              <a:t>Generar </a:t>
-            </a:r>
-            <a:r>
-              <a:rPr lang="es-ES" sz="1400" dirty="0"/>
-              <a:t>el objeto, pasando los argumentos necesarios y luego llamar a los métodos para ver como funcionan</a:t>
-            </a:r>
-            <a:r>
-              <a:rPr lang="es-ES" sz="1400" dirty="0" smtClean="0"/>
-              <a:t>.</a:t>
-            </a:r>
-            <a:endParaRPr lang="es-ES" sz="1400" dirty="0"/>
-          </a:p>
-          <a:p>
-            <a:r>
-              <a:rPr lang="es-ES" sz="1400" b="1" dirty="0"/>
-              <a:t>Ayuda</a:t>
-            </a:r>
-            <a:r>
-              <a:rPr lang="es-ES" sz="1400" dirty="0"/>
-              <a:t>: Existe una función que devuelve un número </a:t>
-            </a:r>
-            <a:r>
-              <a:rPr lang="es-ES" sz="1400" dirty="0" err="1"/>
-              <a:t>random</a:t>
-            </a:r>
-            <a:r>
-              <a:rPr lang="es-ES" sz="1400" dirty="0"/>
-              <a:t> que nos </a:t>
-            </a:r>
-            <a:r>
-              <a:rPr lang="es-ES" sz="1400" dirty="0" err="1"/>
-              <a:t>pede</a:t>
-            </a:r>
-            <a:r>
-              <a:rPr lang="es-ES" sz="1400" dirty="0"/>
-              <a:t> servir para hacer un id</a:t>
-            </a:r>
-            <a:r>
-              <a:rPr lang="es-ES" sz="1400" dirty="0" smtClean="0"/>
-              <a:t>.</a:t>
-            </a:r>
-            <a:endParaRPr lang="es-ES" sz="1400" dirty="0"/>
-          </a:p>
-          <a:p>
-            <a:pPr marL="68580" indent="0">
-              <a:buNone/>
-            </a:pPr>
-            <a:r>
-              <a:rPr lang="es-ES" sz="1400" dirty="0" err="1" smtClean="0"/>
-              <a:t>var</a:t>
-            </a:r>
-            <a:r>
-              <a:rPr lang="es-ES" sz="1400" dirty="0" smtClean="0"/>
-              <a:t> </a:t>
-            </a:r>
-            <a:r>
-              <a:rPr lang="es-ES" sz="1400" dirty="0"/>
-              <a:t>time = </a:t>
-            </a:r>
-            <a:r>
-              <a:rPr lang="es-ES" sz="1400" dirty="0" err="1"/>
-              <a:t>Math.random</a:t>
-            </a:r>
-            <a:r>
-              <a:rPr lang="es-ES" sz="1400" dirty="0"/>
-              <a:t>() </a:t>
-            </a:r>
-            <a:endParaRPr lang="es-ES" sz="1400" dirty="0" smtClean="0"/>
-          </a:p>
-          <a:p>
-            <a:pPr marL="68580" indent="0">
-              <a:buNone/>
-            </a:pPr>
-            <a:r>
-              <a:rPr lang="es-ES" sz="1400" dirty="0" smtClean="0"/>
-              <a:t>// </a:t>
-            </a:r>
-            <a:r>
-              <a:rPr lang="es-ES" sz="1400" dirty="0"/>
-              <a:t>Esto devuelve un número del </a:t>
-            </a:r>
-            <a:r>
-              <a:rPr lang="es-ES" sz="1400" dirty="0" smtClean="0"/>
-              <a:t>estilo 0.11296860298890499</a:t>
-            </a:r>
-            <a:endParaRPr lang="es-ES" sz="1400" dirty="0"/>
+              <a:rPr lang="es-ES" dirty="0" smtClean="0"/>
+              <a:t>Definición: {}</a:t>
+            </a:r>
+          </a:p>
+          <a:p>
+            <a:endParaRPr lang="es-ES" dirty="0" smtClean="0"/>
+          </a:p>
+          <a:p>
+            <a:r>
+              <a:rPr lang="es-ES" dirty="0" smtClean="0"/>
+              <a:t>Constructor encapsulando el resultado:  </a:t>
+            </a:r>
+            <a:r>
+              <a:rPr lang="es-ES" dirty="0" err="1" smtClean="0"/>
+              <a:t>function</a:t>
+            </a:r>
+            <a:r>
+              <a:rPr lang="es-ES" dirty="0" smtClean="0"/>
+              <a:t>() {</a:t>
+            </a:r>
+            <a:r>
+              <a:rPr lang="es-ES" dirty="0" err="1" smtClean="0"/>
+              <a:t>return</a:t>
+            </a:r>
+            <a:r>
+              <a:rPr lang="es-ES" dirty="0" smtClean="0"/>
+              <a:t>}</a:t>
+            </a:r>
+          </a:p>
+          <a:p>
+            <a:endParaRPr lang="es-ES" dirty="0" smtClean="0"/>
+          </a:p>
+          <a:p>
+            <a:r>
+              <a:rPr lang="es-ES" dirty="0" smtClean="0"/>
+              <a:t>Constructor con  «</a:t>
+            </a:r>
+            <a:r>
+              <a:rPr lang="es-ES" dirty="0" err="1" smtClean="0"/>
+              <a:t>this</a:t>
+            </a:r>
+            <a:r>
+              <a:rPr lang="es-ES" dirty="0" smtClean="0"/>
+              <a:t>».</a:t>
+            </a:r>
+            <a:endParaRPr lang="es-ES" dirty="0"/>
           </a:p>
         </p:txBody>
       </p:sp>
     </p:spTree>
     <p:extLst>
       <p:ext uri="{BB962C8B-B14F-4D97-AF65-F5344CB8AC3E}">
-        <p14:creationId xmlns:p14="http://schemas.microsoft.com/office/powerpoint/2010/main" val="2327954952"/>
+        <p14:creationId xmlns:p14="http://schemas.microsoft.com/office/powerpoint/2010/main" val="2688157377"/>
       </p:ext>
     </p:extLst>
   </p:cSld>
   <p:clrMapOvr>
     <a:masterClrMapping/>
   </p:clrMapOvr>
+  <p:timing>
+    <p:tnLst>
+      <p:par>
+        <p:cTn id="1" dur="indefinite" restart="never" nodeType="tmRoot"/>
+      </p:par>
+    </p:tnLst>
+  </p:timing>
 </p:sld>
 </file>
 
@@ -17038,6 +17388,270 @@
           <a:lstStyle/>
           <a:p>
             <a:r>
+              <a:rPr lang="es-ES" dirty="0" smtClean="0"/>
+              <a:t>Ejercicio</a:t>
+            </a:r>
+            <a:endParaRPr lang="es-ES" dirty="0"/>
+          </a:p>
+        </p:txBody>
+      </p:sp>
+      <p:sp>
+        <p:nvSpPr>
+          <p:cNvPr id="3" name="2 Marcador de contenido"/>
+          <p:cNvSpPr>
+            <a:spLocks noGrp="1"/>
+          </p:cNvSpPr>
+          <p:nvPr>
+            <p:ph idx="1"/>
+          </p:nvPr>
+        </p:nvSpPr>
+        <p:spPr/>
+        <p:txBody>
+          <a:bodyPr>
+            <a:noAutofit/>
+          </a:bodyPr>
+          <a:lstStyle/>
+          <a:p>
+            <a:r>
+              <a:rPr lang="es-ES" sz="1400" dirty="0"/>
+              <a:t># Hacer un objeto que represente un </a:t>
+            </a:r>
+            <a:r>
+              <a:rPr lang="es-ES" sz="1400" dirty="0" smtClean="0"/>
+              <a:t>usuario</a:t>
+            </a:r>
+            <a:endParaRPr lang="es-ES" sz="1400" dirty="0"/>
+          </a:p>
+          <a:p>
+            <a:r>
+              <a:rPr lang="es-ES" sz="1400" dirty="0" smtClean="0"/>
+              <a:t>Deberá </a:t>
+            </a:r>
+            <a:r>
+              <a:rPr lang="es-ES" sz="1400" dirty="0"/>
+              <a:t>tener las propiedades id `id` (se deberá generar uno automáticamente cuando creo el usuario), nombre `</a:t>
+            </a:r>
+            <a:r>
+              <a:rPr lang="es-ES" sz="1400" dirty="0" err="1"/>
+              <a:t>firstName</a:t>
+            </a:r>
+            <a:r>
+              <a:rPr lang="es-ES" sz="1400" dirty="0"/>
+              <a:t>`, apellido `</a:t>
+            </a:r>
+            <a:r>
+              <a:rPr lang="es-ES" sz="1400" dirty="0" err="1"/>
+              <a:t>lastName</a:t>
+            </a:r>
+            <a:r>
+              <a:rPr lang="es-ES" sz="1400" dirty="0"/>
+              <a:t>`, edad `</a:t>
+            </a:r>
+            <a:r>
+              <a:rPr lang="es-ES" sz="1400" dirty="0" err="1"/>
+              <a:t>age</a:t>
+            </a:r>
+            <a:r>
+              <a:rPr lang="es-ES" sz="1400" dirty="0"/>
+              <a:t>`, dirección `</a:t>
+            </a:r>
+            <a:r>
+              <a:rPr lang="es-ES" sz="1400" dirty="0" err="1"/>
+              <a:t>address</a:t>
+            </a:r>
+            <a:r>
+              <a:rPr lang="es-ES" sz="1400" dirty="0"/>
+              <a:t>`.</a:t>
+            </a:r>
+          </a:p>
+          <a:p>
+            <a:r>
+              <a:rPr lang="es-ES" sz="1400" dirty="0" smtClean="0"/>
+              <a:t>Deberá </a:t>
+            </a:r>
+            <a:r>
+              <a:rPr lang="es-ES" sz="1400" dirty="0"/>
+              <a:t>tener los métodos:</a:t>
+            </a:r>
+          </a:p>
+          <a:p>
+            <a:r>
+              <a:rPr lang="es-ES" sz="1400" dirty="0"/>
+              <a:t> </a:t>
+            </a:r>
+            <a:r>
+              <a:rPr lang="es-ES" sz="1400" dirty="0" smtClean="0"/>
+              <a:t>Mostrar </a:t>
+            </a:r>
+            <a:r>
+              <a:rPr lang="es-ES" sz="1400" dirty="0"/>
+              <a:t>nombre completo `</a:t>
+            </a:r>
+            <a:r>
+              <a:rPr lang="es-ES" sz="1400" dirty="0" err="1"/>
+              <a:t>fullName</a:t>
+            </a:r>
+            <a:r>
+              <a:rPr lang="es-ES" sz="1400" dirty="0"/>
+              <a:t>`, deberá mostrar en consola el nombre completo del usuario.</a:t>
+            </a:r>
+          </a:p>
+          <a:p>
+            <a:r>
+              <a:rPr lang="es-ES" sz="1400" dirty="0" smtClean="0"/>
+              <a:t>Es </a:t>
+            </a:r>
+            <a:r>
+              <a:rPr lang="es-ES" sz="1400" dirty="0"/>
+              <a:t>mayor de edad `</a:t>
+            </a:r>
+            <a:r>
+              <a:rPr lang="es-ES" sz="1400" dirty="0" err="1"/>
+              <a:t>isLegalAge</a:t>
+            </a:r>
+            <a:r>
+              <a:rPr lang="es-ES" sz="1400" dirty="0"/>
+              <a:t>` que deberá devolver `true` si tiene 18 años o más y `false` en caso contrario.</a:t>
+            </a:r>
+          </a:p>
+          <a:p>
+            <a:r>
+              <a:rPr lang="es-ES" sz="1400" dirty="0" smtClean="0"/>
+              <a:t>Generar </a:t>
+            </a:r>
+            <a:r>
+              <a:rPr lang="es-ES" sz="1400" dirty="0"/>
+              <a:t>el objeto, pasando los argumentos necesarios y luego llamar a los métodos para ver como funcionan</a:t>
+            </a:r>
+            <a:r>
+              <a:rPr lang="es-ES" sz="1400" dirty="0" smtClean="0"/>
+              <a:t>.</a:t>
+            </a:r>
+            <a:endParaRPr lang="es-ES" sz="1400" dirty="0"/>
+          </a:p>
+          <a:p>
+            <a:r>
+              <a:rPr lang="es-ES" sz="1400" b="1" dirty="0"/>
+              <a:t>Ayuda</a:t>
+            </a:r>
+            <a:r>
+              <a:rPr lang="es-ES" sz="1400" dirty="0"/>
+              <a:t>: Existe una función que devuelve un número </a:t>
+            </a:r>
+            <a:r>
+              <a:rPr lang="es-ES" sz="1400" dirty="0" err="1"/>
+              <a:t>random</a:t>
+            </a:r>
+            <a:r>
+              <a:rPr lang="es-ES" sz="1400" dirty="0"/>
+              <a:t> que nos </a:t>
+            </a:r>
+            <a:r>
+              <a:rPr lang="es-ES" sz="1400" dirty="0" err="1"/>
+              <a:t>pede</a:t>
+            </a:r>
+            <a:r>
+              <a:rPr lang="es-ES" sz="1400" dirty="0"/>
+              <a:t> servir para hacer un id</a:t>
+            </a:r>
+            <a:r>
+              <a:rPr lang="es-ES" sz="1400" dirty="0" smtClean="0"/>
+              <a:t>.</a:t>
+            </a:r>
+            <a:endParaRPr lang="es-ES" sz="1400" dirty="0"/>
+          </a:p>
+          <a:p>
+            <a:pPr marL="68580" indent="0">
+              <a:buNone/>
+            </a:pPr>
+            <a:r>
+              <a:rPr lang="es-ES" sz="1400" dirty="0" err="1" smtClean="0"/>
+              <a:t>var</a:t>
+            </a:r>
+            <a:r>
+              <a:rPr lang="es-ES" sz="1400" dirty="0" smtClean="0"/>
+              <a:t> </a:t>
+            </a:r>
+            <a:r>
+              <a:rPr lang="es-ES" sz="1400" dirty="0"/>
+              <a:t>time = </a:t>
+            </a:r>
+            <a:r>
+              <a:rPr lang="es-ES" sz="1400" dirty="0" err="1"/>
+              <a:t>Math.random</a:t>
+            </a:r>
+            <a:r>
+              <a:rPr lang="es-ES" sz="1400" dirty="0"/>
+              <a:t>() </a:t>
+            </a:r>
+            <a:endParaRPr lang="es-ES" sz="1400" dirty="0" smtClean="0"/>
+          </a:p>
+          <a:p>
+            <a:pPr marL="68580" indent="0">
+              <a:buNone/>
+            </a:pPr>
+            <a:r>
+              <a:rPr lang="es-ES" sz="1400" dirty="0" smtClean="0"/>
+              <a:t>// </a:t>
+            </a:r>
+            <a:r>
+              <a:rPr lang="es-ES" sz="1400" dirty="0"/>
+              <a:t>Esto devuelve un número del </a:t>
+            </a:r>
+            <a:r>
+              <a:rPr lang="es-ES" sz="1400" dirty="0" smtClean="0"/>
+              <a:t>estilo 0.11296860298890499</a:t>
+            </a:r>
+            <a:endParaRPr lang="es-ES" sz="1400" dirty="0"/>
+          </a:p>
+        </p:txBody>
+      </p:sp>
+    </p:spTree>
+    <p:extLst>
+      <p:ext uri="{BB962C8B-B14F-4D97-AF65-F5344CB8AC3E}">
+        <p14:creationId xmlns:p14="http://schemas.microsoft.com/office/powerpoint/2010/main" val="2327954952"/>
+      </p:ext>
+    </p:extLst>
+  </p:cSld>
+  <p:clrMapOvr>
+    <a:masterClrMapping/>
+  </p:clrMapOvr>
+</p:sld>
+</file>
+
+<file path=ppt/slides/slide8.xml><?xml version="1.0" encoding="utf-8"?>
+<p:sld xmlns:a="http://schemas.openxmlformats.org/drawingml/2006/main" xmlns:r="http://schemas.openxmlformats.org/officeDocument/2006/relationships" xmlns:p="http://schemas.openxmlformats.org/presentationml/2006/main">
+  <p:cSld>
+    <p:spTree>
+      <p:nvGrpSpPr>
+        <p:cNvPr id="1" name=""/>
+        <p:cNvGrpSpPr/>
+        <p:nvPr/>
+      </p:nvGrpSpPr>
+      <p:grpSpPr>
+        <a:xfrm>
+          <a:off x="0" y="0"/>
+          <a:ext cx="0" cy="0"/>
+          <a:chOff x="0" y="0"/>
+          <a:chExt cx="0" cy="0"/>
+        </a:xfrm>
+      </p:grpSpPr>
+      <p:sp>
+        <p:nvSpPr>
+          <p:cNvPr id="2" name="1 Título"/>
+          <p:cNvSpPr>
+            <a:spLocks noGrp="1"/>
+          </p:cNvSpPr>
+          <p:nvPr>
+            <p:ph type="title"/>
+          </p:nvPr>
+        </p:nvSpPr>
+        <p:spPr/>
+        <p:txBody>
+          <a:bodyPr/>
+          <a:lstStyle/>
+          <a:p>
+            <a:r>
               <a:rPr lang="es-ES" dirty="0"/>
               <a:t>Desarrollo de Ejercicio</a:t>
             </a:r>
@@ -17112,7 +17726,7 @@
 </p:sld>
 </file>
 
-<file path=ppt/slides/slide8.xml><?xml version="1.0" encoding="utf-8"?>
+<file path=ppt/slides/slide9.xml><?xml version="1.0" encoding="utf-8"?>
 <p:sld xmlns:a="http://schemas.openxmlformats.org/drawingml/2006/main" xmlns:r="http://schemas.openxmlformats.org/officeDocument/2006/relationships" xmlns:p="http://schemas.openxmlformats.org/presentationml/2006/main">
   <p:cSld>
     <p:spTree>
@@ -18395,106 +19009,6 @@
 </p:sld>
 </file>
 
-<file path=ppt/slides/slide9.xml><?xml version="1.0" encoding="utf-8"?>
-<p:sld xmlns:a="http://schemas.openxmlformats.org/drawingml/2006/main" xmlns:r="http://schemas.openxmlformats.org/officeDocument/2006/relationships" xmlns:p="http://schemas.openxmlformats.org/presentationml/2006/main">
-  <p:cSld>
-    <p:spTree>
-      <p:nvGrpSpPr>
-        <p:cNvPr id="1" name=""/>
-        <p:cNvGrpSpPr/>
-        <p:nvPr/>
-      </p:nvGrpSpPr>
-      <p:grpSpPr>
-        <a:xfrm>
-          <a:off x="0" y="0"/>
-          <a:ext cx="0" cy="0"/>
-          <a:chOff x="0" y="0"/>
-          <a:chExt cx="0" cy="0"/>
-        </a:xfrm>
-      </p:grpSpPr>
-      <p:sp>
-        <p:nvSpPr>
-          <p:cNvPr id="2" name="1 Título"/>
-          <p:cNvSpPr>
-            <a:spLocks noGrp="1"/>
-          </p:cNvSpPr>
-          <p:nvPr>
-            <p:ph type="title"/>
-          </p:nvPr>
-        </p:nvSpPr>
-        <p:spPr/>
-        <p:txBody>
-          <a:bodyPr/>
-          <a:lstStyle/>
-          <a:p>
-            <a:r>
-              <a:rPr lang="es-ES" dirty="0" smtClean="0"/>
-              <a:t>Otros </a:t>
-            </a:r>
-            <a:r>
-              <a:rPr lang="es-ES" dirty="0" err="1" smtClean="0"/>
-              <a:t>Metodos</a:t>
-            </a:r>
-            <a:r>
-              <a:rPr lang="es-ES" dirty="0" smtClean="0"/>
-              <a:t> </a:t>
-            </a:r>
-            <a:r>
-              <a:rPr lang="es-ES" dirty="0" err="1" smtClean="0"/>
-              <a:t>Strings</a:t>
-            </a:r>
-            <a:endParaRPr lang="es-ES" dirty="0"/>
-          </a:p>
-        </p:txBody>
-      </p:sp>
-      <p:sp>
-        <p:nvSpPr>
-          <p:cNvPr id="5" name="4 Marcador de contenido"/>
-          <p:cNvSpPr>
-            <a:spLocks noGrp="1"/>
-          </p:cNvSpPr>
-          <p:nvPr>
-            <p:ph idx="1"/>
-          </p:nvPr>
-        </p:nvSpPr>
-        <p:spPr/>
-        <p:txBody>
-          <a:bodyPr/>
-          <a:lstStyle/>
-          <a:p>
-            <a:r>
-              <a:rPr lang="es-ES" dirty="0"/>
-              <a:t>https://www.w3schools.com/js/js_strings.asp</a:t>
-            </a:r>
-          </a:p>
-          <a:p>
-            <a:endParaRPr lang="es-ES" dirty="0" smtClean="0"/>
-          </a:p>
-          <a:p>
-            <a:r>
-              <a:rPr lang="es-ES" dirty="0" smtClean="0"/>
-              <a:t>https</a:t>
-            </a:r>
-            <a:r>
-              <a:rPr lang="es-ES" dirty="0"/>
-              <a:t>://www.w3schools.com/js/js_string_methods.asp</a:t>
-            </a:r>
-          </a:p>
-        </p:txBody>
-      </p:sp>
-    </p:spTree>
-    <p:extLst>
-      <p:ext uri="{BB962C8B-B14F-4D97-AF65-F5344CB8AC3E}">
-        <p14:creationId xmlns:p14="http://schemas.microsoft.com/office/powerpoint/2010/main" val="3068325098"/>
-      </p:ext>
-    </p:extLst>
-  </p:cSld>
-  <p:clrMapOvr>
-    <a:masterClrMapping/>
-  </p:clrMapOvr>
-</p:sld>
-</file>
-
 <file path=ppt/theme/theme1.xml><?xml version="1.0" encoding="utf-8"?>
 <a:theme xmlns:a="http://schemas.openxmlformats.org/drawingml/2006/main" name="Austin">
   <a:themeElements>

--- a/clase5-6.pptx
+++ b/clase5-6.pptx
@@ -562,11 +562,7 @@
             </a:r>
             <a:r>
               <a:rPr lang="es-ES" baseline="0" dirty="0" smtClean="0"/>
-              <a:t> Resuelto</a:t>
-            </a:r>
-            <a:r>
-              <a:rPr lang="es-ES" baseline="0" dirty="0" smtClean="0"/>
-              <a:t>:</a:t>
+              <a:t> Resuelto:</a:t>
             </a:r>
           </a:p>
           <a:p>
@@ -574,7 +570,6 @@
               <a:rPr lang="es-ES" baseline="0" dirty="0" smtClean="0"/>
               <a:t>J:\OneDriveRomer_C\OneDrive\CoderHouse\Programaciòn Web 3645\02 Productos financieros BASE</a:t>
             </a:r>
-            <a:endParaRPr lang="es-ES" baseline="0" dirty="0" smtClean="0"/>
           </a:p>
         </p:txBody>
       </p:sp>
@@ -673,11 +668,7 @@
             </a:r>
             <a:r>
               <a:rPr lang="es-ES" baseline="0" dirty="0" smtClean="0"/>
-              <a:t> con ejemplo de: </a:t>
-            </a:r>
-            <a:r>
-              <a:rPr lang="es-ES" baseline="0" dirty="0" smtClean="0"/>
-              <a:t>J:\OneDriveRomer_C\OneDrive\CoderHouse\Programaciòn Web 3645\Clase 5 y 6\Demos\Objetos.html</a:t>
+              <a:t> con ejemplo de: J:\OneDriveRomer_C\OneDrive\CoderHouse\Programaciòn Web 3645\Clase 5 y 6\Demos\Objetos.html</a:t>
             </a:r>
           </a:p>
           <a:p>
@@ -16901,7 +16892,7 @@
         <p:spPr/>
         <p:txBody>
           <a:bodyPr>
-            <a:normAutofit/>
+            <a:noAutofit/>
           </a:bodyPr>
           <a:lstStyle/>
           <a:p>
@@ -16994,6 +16985,29 @@
             </a:r>
           </a:p>
           <a:p>
+            <a:r>
+              <a:rPr lang="es-ES" sz="1600" dirty="0" smtClean="0"/>
+              <a:t>Traer los cambios</a:t>
+            </a:r>
+          </a:p>
+          <a:p>
+            <a:pPr lvl="1"/>
+            <a:r>
+              <a:rPr lang="es-ES" sz="1600" dirty="0" err="1"/>
+              <a:t>g</a:t>
+            </a:r>
+            <a:r>
+              <a:rPr lang="es-ES" sz="1600" dirty="0" err="1" smtClean="0"/>
+              <a:t>it</a:t>
+            </a:r>
+            <a:r>
+              <a:rPr lang="es-ES" sz="1600" dirty="0" smtClean="0"/>
+              <a:t> </a:t>
+            </a:r>
+            <a:r>
+              <a:rPr lang="es-ES" sz="1600" dirty="0" err="1" smtClean="0"/>
+              <a:t>pull</a:t>
+            </a:r>
             <a:endParaRPr lang="es-ES" sz="1600" dirty="0"/>
           </a:p>
         </p:txBody>
